--- a/Presentation.pptx
+++ b/Presentation.pptx
@@ -256,7 +256,7 @@
           <a:p>
             <a:fld id="{C764DE79-268F-4C1A-8933-263129D2AF90}" type="datetimeFigureOut">
               <a:rPr lang="en-US" dirty="0"/>
-              <a:t>12/23/2025</a:t>
+              <a:t>2026-01-02</a:t>
             </a:fld>
             <a:endParaRPr lang="en-US" dirty="0"/>
           </a:p>
@@ -426,7 +426,7 @@
           <a:p>
             <a:fld id="{C764DE79-268F-4C1A-8933-263129D2AF90}" type="datetimeFigureOut">
               <a:rPr lang="en-US" dirty="0"/>
-              <a:t>12/23/2025</a:t>
+              <a:t>2026-01-02</a:t>
             </a:fld>
             <a:endParaRPr lang="en-US" dirty="0"/>
           </a:p>
@@ -606,7 +606,7 @@
           <a:p>
             <a:fld id="{C764DE79-268F-4C1A-8933-263129D2AF90}" type="datetimeFigureOut">
               <a:rPr lang="en-US" dirty="0"/>
-              <a:t>12/23/2025</a:t>
+              <a:t>2026-01-02</a:t>
             </a:fld>
             <a:endParaRPr lang="en-US" dirty="0"/>
           </a:p>
@@ -776,7 +776,7 @@
           <a:p>
             <a:fld id="{C764DE79-268F-4C1A-8933-263129D2AF90}" type="datetimeFigureOut">
               <a:rPr lang="en-US" dirty="0"/>
-              <a:t>12/23/2025</a:t>
+              <a:t>2026-01-02</a:t>
             </a:fld>
             <a:endParaRPr lang="en-US" dirty="0"/>
           </a:p>
@@ -1022,7 +1022,7 @@
           <a:p>
             <a:fld id="{C764DE79-268F-4C1A-8933-263129D2AF90}" type="datetimeFigureOut">
               <a:rPr lang="en-US" dirty="0"/>
-              <a:t>12/23/2025</a:t>
+              <a:t>2026-01-02</a:t>
             </a:fld>
             <a:endParaRPr lang="en-US" dirty="0"/>
           </a:p>
@@ -1254,7 +1254,7 @@
           <a:p>
             <a:fld id="{C764DE79-268F-4C1A-8933-263129D2AF90}" type="datetimeFigureOut">
               <a:rPr lang="en-US" dirty="0"/>
-              <a:t>12/23/2025</a:t>
+              <a:t>2026-01-02</a:t>
             </a:fld>
             <a:endParaRPr lang="en-US" dirty="0"/>
           </a:p>
@@ -1621,7 +1621,7 @@
           <a:p>
             <a:fld id="{C764DE79-268F-4C1A-8933-263129D2AF90}" type="datetimeFigureOut">
               <a:rPr lang="en-US" dirty="0"/>
-              <a:t>12/23/2025</a:t>
+              <a:t>2026-01-02</a:t>
             </a:fld>
             <a:endParaRPr lang="en-US" dirty="0"/>
           </a:p>
@@ -1739,7 +1739,7 @@
           <a:p>
             <a:fld id="{C764DE79-268F-4C1A-8933-263129D2AF90}" type="datetimeFigureOut">
               <a:rPr lang="en-US" dirty="0"/>
-              <a:t>12/23/2025</a:t>
+              <a:t>2026-01-02</a:t>
             </a:fld>
             <a:endParaRPr lang="en-US" dirty="0"/>
           </a:p>
@@ -1834,7 +1834,7 @@
           <a:p>
             <a:fld id="{C764DE79-268F-4C1A-8933-263129D2AF90}" type="datetimeFigureOut">
               <a:rPr lang="en-US" dirty="0"/>
-              <a:t>12/23/2025</a:t>
+              <a:t>2026-01-02</a:t>
             </a:fld>
             <a:endParaRPr lang="en-US" dirty="0"/>
           </a:p>
@@ -2111,7 +2111,7 @@
           <a:p>
             <a:fld id="{C764DE79-268F-4C1A-8933-263129D2AF90}" type="datetimeFigureOut">
               <a:rPr lang="en-US" dirty="0"/>
-              <a:t>12/23/2025</a:t>
+              <a:t>2026-01-02</a:t>
             </a:fld>
             <a:endParaRPr lang="en-US" dirty="0"/>
           </a:p>
@@ -2368,7 +2368,7 @@
           <a:p>
             <a:fld id="{C764DE79-268F-4C1A-8933-263129D2AF90}" type="datetimeFigureOut">
               <a:rPr lang="en-US" dirty="0"/>
-              <a:t>12/23/2025</a:t>
+              <a:t>2026-01-02</a:t>
             </a:fld>
             <a:endParaRPr lang="en-US" dirty="0"/>
           </a:p>
@@ -2581,7 +2581,7 @@
           <a:p>
             <a:fld id="{C764DE79-268F-4C1A-8933-263129D2AF90}" type="datetimeFigureOut">
               <a:rPr lang="en-US" dirty="0"/>
-              <a:t>12/23/2025</a:t>
+              <a:t>2026-01-02</a:t>
             </a:fld>
             <a:endParaRPr lang="en-US" dirty="0"/>
           </a:p>
@@ -3038,11 +3038,7 @@
           <a:p>
             <a:r>
               <a:rPr lang="en-US" dirty="0"/>
-              <a:t>Marketing Analytics </a:t>
-            </a:r>
-            <a:r>
-              <a:rPr lang="en-US"/>
-              <a:t>Portfolio Project</a:t>
+              <a:t>Marketing Analytics Project</a:t>
             </a:r>
             <a:endParaRPr lang="nb-NO" dirty="0"/>
           </a:p>
